--- a/matlab/fourier/Presentation1.pptx
+++ b/matlab/fourier/Presentation1.pptx
@@ -8,6 +8,8 @@
     <p:sldId id="256" r:id="rId2"/>
     <p:sldId id="257" r:id="rId3"/>
     <p:sldId id="258" r:id="rId4"/>
+    <p:sldId id="259" r:id="rId5"/>
+    <p:sldId id="260" r:id="rId6"/>
   </p:sldIdLst>
   <p:sldSz cx="12192000" cy="6858000"/>
   <p:notesSz cx="6858000" cy="9144000"/>
@@ -106,6 +108,11 @@
       </a:defRPr>
     </a:lvl9pPr>
   </p:defaultTextStyle>
+  <p:extLst>
+    <p:ext uri="{EFAFB233-063F-42B5-8137-9DF3F51BA10A}">
+      <p15:sldGuideLst xmlns:p15="http://schemas.microsoft.com/office/powerpoint/2012/main"/>
+    </p:ext>
+  </p:extLst>
 </p:presentation>
 </file>
 
@@ -258,7 +265,7 @@
           <a:p>
             <a:fld id="{B93E6F58-D0AA-4339-B20A-E3A4ECE45C03}" type="datetimeFigureOut">
               <a:rPr lang="en-ZA" smtClean="0"/>
-              <a:t>2021/08/30</a:t>
+              <a:t>2021/08/31</a:t>
             </a:fld>
             <a:endParaRPr lang="en-ZA"/>
           </a:p>
@@ -458,7 +465,7 @@
           <a:p>
             <a:fld id="{B93E6F58-D0AA-4339-B20A-E3A4ECE45C03}" type="datetimeFigureOut">
               <a:rPr lang="en-ZA" smtClean="0"/>
-              <a:t>2021/08/30</a:t>
+              <a:t>2021/08/31</a:t>
             </a:fld>
             <a:endParaRPr lang="en-ZA"/>
           </a:p>
@@ -668,7 +675,7 @@
           <a:p>
             <a:fld id="{B93E6F58-D0AA-4339-B20A-E3A4ECE45C03}" type="datetimeFigureOut">
               <a:rPr lang="en-ZA" smtClean="0"/>
-              <a:t>2021/08/30</a:t>
+              <a:t>2021/08/31</a:t>
             </a:fld>
             <a:endParaRPr lang="en-ZA"/>
           </a:p>
@@ -868,7 +875,7 @@
           <a:p>
             <a:fld id="{B93E6F58-D0AA-4339-B20A-E3A4ECE45C03}" type="datetimeFigureOut">
               <a:rPr lang="en-ZA" smtClean="0"/>
-              <a:t>2021/08/30</a:t>
+              <a:t>2021/08/31</a:t>
             </a:fld>
             <a:endParaRPr lang="en-ZA"/>
           </a:p>
@@ -1144,7 +1151,7 @@
           <a:p>
             <a:fld id="{B93E6F58-D0AA-4339-B20A-E3A4ECE45C03}" type="datetimeFigureOut">
               <a:rPr lang="en-ZA" smtClean="0"/>
-              <a:t>2021/08/30</a:t>
+              <a:t>2021/08/31</a:t>
             </a:fld>
             <a:endParaRPr lang="en-ZA"/>
           </a:p>
@@ -1412,7 +1419,7 @@
           <a:p>
             <a:fld id="{B93E6F58-D0AA-4339-B20A-E3A4ECE45C03}" type="datetimeFigureOut">
               <a:rPr lang="en-ZA" smtClean="0"/>
-              <a:t>2021/08/30</a:t>
+              <a:t>2021/08/31</a:t>
             </a:fld>
             <a:endParaRPr lang="en-ZA"/>
           </a:p>
@@ -1827,7 +1834,7 @@
           <a:p>
             <a:fld id="{B93E6F58-D0AA-4339-B20A-E3A4ECE45C03}" type="datetimeFigureOut">
               <a:rPr lang="en-ZA" smtClean="0"/>
-              <a:t>2021/08/30</a:t>
+              <a:t>2021/08/31</a:t>
             </a:fld>
             <a:endParaRPr lang="en-ZA"/>
           </a:p>
@@ -1969,7 +1976,7 @@
           <a:p>
             <a:fld id="{B93E6F58-D0AA-4339-B20A-E3A4ECE45C03}" type="datetimeFigureOut">
               <a:rPr lang="en-ZA" smtClean="0"/>
-              <a:t>2021/08/30</a:t>
+              <a:t>2021/08/31</a:t>
             </a:fld>
             <a:endParaRPr lang="en-ZA"/>
           </a:p>
@@ -2082,7 +2089,7 @@
           <a:p>
             <a:fld id="{B93E6F58-D0AA-4339-B20A-E3A4ECE45C03}" type="datetimeFigureOut">
               <a:rPr lang="en-ZA" smtClean="0"/>
-              <a:t>2021/08/30</a:t>
+              <a:t>2021/08/31</a:t>
             </a:fld>
             <a:endParaRPr lang="en-ZA"/>
           </a:p>
@@ -2395,7 +2402,7 @@
           <a:p>
             <a:fld id="{B93E6F58-D0AA-4339-B20A-E3A4ECE45C03}" type="datetimeFigureOut">
               <a:rPr lang="en-ZA" smtClean="0"/>
-              <a:t>2021/08/30</a:t>
+              <a:t>2021/08/31</a:t>
             </a:fld>
             <a:endParaRPr lang="en-ZA"/>
           </a:p>
@@ -2684,7 +2691,7 @@
           <a:p>
             <a:fld id="{B93E6F58-D0AA-4339-B20A-E3A4ECE45C03}" type="datetimeFigureOut">
               <a:rPr lang="en-ZA" smtClean="0"/>
-              <a:t>2021/08/30</a:t>
+              <a:t>2021/08/31</a:t>
             </a:fld>
             <a:endParaRPr lang="en-ZA"/>
           </a:p>
@@ -2927,7 +2934,7 @@
           <a:p>
             <a:fld id="{B93E6F58-D0AA-4339-B20A-E3A4ECE45C03}" type="datetimeFigureOut">
               <a:rPr lang="en-ZA" smtClean="0"/>
-              <a:t>2021/08/30</a:t>
+              <a:t>2021/08/31</a:t>
             </a:fld>
             <a:endParaRPr lang="en-ZA"/>
           </a:p>
@@ -3524,8 +3531,8 @@
           </a:prstGeom>
         </p:spPr>
       </p:pic>
-      <mc:AlternateContent xmlns:mc="http://schemas.openxmlformats.org/markup-compatibility/2006">
-        <mc:Choice xmlns:a14="http://schemas.microsoft.com/office/drawing/2010/main" Requires="a14">
+      <mc:AlternateContent xmlns:mc="http://schemas.openxmlformats.org/markup-compatibility/2006" xmlns:a14="http://schemas.microsoft.com/office/drawing/2010/main">
+        <mc:Choice Requires="a14">
           <p:sp>
             <p:nvSpPr>
               <p:cNvPr id="14" name="TextBox 13">
@@ -3541,7 +3548,7 @@
             <p:spPr>
               <a:xfrm>
                 <a:off x="7762672" y="3429000"/>
-                <a:ext cx="3745495" cy="2395656"/>
+                <a:ext cx="3745495" cy="2655407"/>
               </a:xfrm>
               <a:prstGeom prst="rect">
                 <a:avLst/>
@@ -3556,7 +3563,23 @@
               <a:p>
                 <a:r>
                   <a:rPr lang="en-ZA" dirty="0"/>
-                  <a:t>As the spacing increases pass  1 wave length grating lobes appear.</a:t>
+                  <a:t>As the spacing between </a:t>
+                </a:r>
+                <a:r>
+                  <a:rPr lang="en-ZA"/>
+                  <a:t>elements increase </a:t>
+                </a:r>
+                <a:r>
+                  <a:rPr lang="en-ZA" dirty="0"/>
+                  <a:t>pass  1 </a:t>
+                </a:r>
+                <a:r>
+                  <a:rPr lang="en-ZA"/>
+                  <a:t>wave length, </a:t>
+                </a:r>
+                <a:r>
+                  <a:rPr lang="en-ZA" dirty="0"/>
+                  <a:t>grating lobes appear.</a:t>
                 </a:r>
               </a:p>
               <a:p>
@@ -3618,6 +3641,7 @@
                 <a:endParaRPr lang="en-ZA" dirty="0"/>
               </a:p>
               <a:p>
+                <a:pPr/>
                 <a14:m>
                   <m:oMathPara xmlns:m="http://schemas.openxmlformats.org/officeDocument/2006/math">
                     <m:oMathParaPr>
@@ -3736,6 +3760,7 @@
                 <a:endParaRPr lang="en-ZA" dirty="0"/>
               </a:p>
               <a:p>
+                <a:pPr/>
                 <a14:m>
                   <m:oMathPara xmlns:m="http://schemas.openxmlformats.org/officeDocument/2006/math">
                     <m:oMathParaPr>
@@ -3816,7 +3841,7 @@
             </p:txBody>
           </p:sp>
         </mc:Choice>
-        <mc:Fallback>
+        <mc:Fallback xmlns="">
           <p:sp>
             <p:nvSpPr>
               <p:cNvPr id="14" name="TextBox 13">
@@ -3834,7 +3859,7 @@
             <p:spPr>
               <a:xfrm>
                 <a:off x="7762672" y="3429000"/>
-                <a:ext cx="3745495" cy="2395656"/>
+                <a:ext cx="3745495" cy="2655407"/>
               </a:xfrm>
               <a:prstGeom prst="rect">
                 <a:avLst/>
@@ -3842,7 +3867,7 @@
               <a:blipFill>
                 <a:blip r:embed="rId7"/>
                 <a:stretch>
-                  <a:fillRect l="-1301" t="-1531" r="-163"/>
+                  <a:fillRect l="-1301" t="-1379" b="-230"/>
                 </a:stretch>
               </a:blipFill>
             </p:spPr>
@@ -4035,8 +4060,8 @@
           </a:prstGeom>
         </p:spPr>
       </p:pic>
-      <mc:AlternateContent xmlns:mc="http://schemas.openxmlformats.org/markup-compatibility/2006">
-        <mc:Choice xmlns:a14="http://schemas.microsoft.com/office/drawing/2010/main" Requires="a14">
+      <mc:AlternateContent xmlns:mc="http://schemas.openxmlformats.org/markup-compatibility/2006" xmlns:a14="http://schemas.microsoft.com/office/drawing/2010/main">
+        <mc:Choice Requires="a14">
           <p:sp>
             <p:nvSpPr>
               <p:cNvPr id="12" name="TextBox 11">
@@ -4134,7 +4159,7 @@
             </p:txBody>
           </p:sp>
         </mc:Choice>
-        <mc:Fallback>
+        <mc:Fallback xmlns="">
           <p:sp>
             <p:nvSpPr>
               <p:cNvPr id="12" name="TextBox 11">
@@ -4357,6 +4382,375 @@
     <p:extLst>
       <p:ext uri="{BB962C8B-B14F-4D97-AF65-F5344CB8AC3E}">
         <p14:creationId xmlns:p14="http://schemas.microsoft.com/office/powerpoint/2010/main" val="1291193604"/>
+      </p:ext>
+    </p:extLst>
+  </p:cSld>
+  <p:clrMapOvr>
+    <a:masterClrMapping/>
+  </p:clrMapOvr>
+</p:sld>
+</file>
+
+<file path=ppt/slides/slide4.xml><?xml version="1.0" encoding="utf-8"?>
+<p:sld xmlns:a="http://schemas.openxmlformats.org/drawingml/2006/main" xmlns:r="http://schemas.openxmlformats.org/officeDocument/2006/relationships" xmlns:p="http://schemas.openxmlformats.org/presentationml/2006/main">
+  <p:cSld>
+    <p:spTree>
+      <p:nvGrpSpPr>
+        <p:cNvPr id="1" name=""/>
+        <p:cNvGrpSpPr/>
+        <p:nvPr/>
+      </p:nvGrpSpPr>
+      <p:grpSpPr>
+        <a:xfrm>
+          <a:off x="0" y="0"/>
+          <a:ext cx="0" cy="0"/>
+          <a:chOff x="0" y="0"/>
+          <a:chExt cx="0" cy="0"/>
+        </a:xfrm>
+      </p:grpSpPr>
+      <p:pic>
+        <p:nvPicPr>
+          <p:cNvPr id="5" name="Picture 4">
+            <a:extLst>
+              <a:ext uri="{FF2B5EF4-FFF2-40B4-BE49-F238E27FC236}">
+                <a16:creationId xmlns:a16="http://schemas.microsoft.com/office/drawing/2014/main" id="{FF04694B-E7DB-49D1-9561-0087EE5DCECE}"/>
+              </a:ext>
+            </a:extLst>
+          </p:cNvPr>
+          <p:cNvPicPr>
+            <a:picLocks noChangeAspect="1"/>
+          </p:cNvPicPr>
+          <p:nvPr/>
+        </p:nvPicPr>
+        <p:blipFill>
+          <a:blip r:embed="rId2">
+            <a:extLst>
+              <a:ext uri="{28A0092B-C50C-407E-A947-70E740481C1C}">
+                <a14:useLocalDpi xmlns:a14="http://schemas.microsoft.com/office/drawing/2010/main" val="0"/>
+              </a:ext>
+            </a:extLst>
+          </a:blip>
+          <a:stretch>
+            <a:fillRect/>
+          </a:stretch>
+        </p:blipFill>
+        <p:spPr>
+          <a:xfrm>
+            <a:off x="251669" y="56624"/>
+            <a:ext cx="5469623" cy="4102217"/>
+          </a:xfrm>
+          <a:prstGeom prst="rect">
+            <a:avLst/>
+          </a:prstGeom>
+        </p:spPr>
+      </p:pic>
+      <p:sp>
+        <p:nvSpPr>
+          <p:cNvPr id="6" name="TextBox 5">
+            <a:extLst>
+              <a:ext uri="{FF2B5EF4-FFF2-40B4-BE49-F238E27FC236}">
+                <a16:creationId xmlns:a16="http://schemas.microsoft.com/office/drawing/2014/main" id="{2A50D2AD-E709-487B-842C-25E9B7FA4108}"/>
+              </a:ext>
+            </a:extLst>
+          </p:cNvPr>
+          <p:cNvSpPr txBox="1"/>
+          <p:nvPr/>
+        </p:nvSpPr>
+        <p:spPr>
+          <a:xfrm>
+            <a:off x="556469" y="4330021"/>
+            <a:ext cx="5025006" cy="1477328"/>
+          </a:xfrm>
+          <a:prstGeom prst="rect">
+            <a:avLst/>
+          </a:prstGeom>
+          <a:noFill/>
+        </p:spPr>
+        <p:txBody>
+          <a:bodyPr wrap="square" rtlCol="0">
+            <a:spAutoFit/>
+          </a:bodyPr>
+          <a:lstStyle/>
+          <a:p>
+            <a:r>
+              <a:rPr lang="en-ZA" dirty="0"/>
+              <a:t>N = 7;</a:t>
+            </a:r>
+          </a:p>
+          <a:p>
+            <a:r>
+              <a:rPr lang="en-ZA" dirty="0"/>
+              <a:t>Spacing = [0.711, 1.019, 0.868, 0.98, 0.772, 0.747]</a:t>
+            </a:r>
+          </a:p>
+          <a:p>
+            <a:endParaRPr lang="en-ZA" dirty="0"/>
+          </a:p>
+          <a:p>
+            <a:r>
+              <a:rPr lang="en-ZA" dirty="0"/>
+              <a:t>Novel algorithm by:</a:t>
+            </a:r>
+          </a:p>
+          <a:p>
+            <a:r>
+              <a:rPr lang="en-ZA" b="1" dirty="0" err="1"/>
+              <a:t>Khalilpour</a:t>
+            </a:r>
+            <a:r>
+              <a:rPr lang="en-ZA" b="1" dirty="0"/>
+              <a:t>, </a:t>
+            </a:r>
+            <a:r>
+              <a:rPr lang="en-ZA" b="1" dirty="0" err="1"/>
+              <a:t>Jafar</a:t>
+            </a:r>
+            <a:r>
+              <a:rPr lang="en-ZA" b="1" dirty="0"/>
+              <a:t> ; </a:t>
+            </a:r>
+            <a:r>
+              <a:rPr lang="en-ZA" b="1" dirty="0" err="1"/>
+              <a:t>Ranjbar</a:t>
+            </a:r>
+            <a:r>
+              <a:rPr lang="en-ZA" b="1" dirty="0"/>
+              <a:t>, Javad ; </a:t>
+            </a:r>
+            <a:r>
+              <a:rPr lang="en-ZA" b="1" dirty="0" err="1"/>
+              <a:t>Karami</a:t>
+            </a:r>
+            <a:r>
+              <a:rPr lang="en-ZA" b="1" dirty="0"/>
+              <a:t>, </a:t>
+            </a:r>
+            <a:r>
+              <a:rPr lang="en-ZA" b="1" dirty="0" err="1"/>
+              <a:t>Poorya</a:t>
+            </a:r>
+            <a:endParaRPr lang="en-ZA" b="1" dirty="0"/>
+          </a:p>
+        </p:txBody>
+      </p:sp>
+      <p:pic>
+        <p:nvPicPr>
+          <p:cNvPr id="8" name="Picture 7">
+            <a:extLst>
+              <a:ext uri="{FF2B5EF4-FFF2-40B4-BE49-F238E27FC236}">
+                <a16:creationId xmlns:a16="http://schemas.microsoft.com/office/drawing/2014/main" id="{955A2BBD-88FD-4561-956C-FE5CE464CF7F}"/>
+              </a:ext>
+            </a:extLst>
+          </p:cNvPr>
+          <p:cNvPicPr>
+            <a:picLocks noChangeAspect="1"/>
+          </p:cNvPicPr>
+          <p:nvPr/>
+        </p:nvPicPr>
+        <p:blipFill>
+          <a:blip r:embed="rId3">
+            <a:extLst>
+              <a:ext uri="{28A0092B-C50C-407E-A947-70E740481C1C}">
+                <a14:useLocalDpi xmlns:a14="http://schemas.microsoft.com/office/drawing/2010/main" val="0"/>
+              </a:ext>
+            </a:extLst>
+          </a:blip>
+          <a:stretch>
+            <a:fillRect/>
+          </a:stretch>
+        </p:blipFill>
+        <p:spPr>
+          <a:xfrm>
+            <a:off x="6311258" y="158341"/>
+            <a:ext cx="5334000" cy="4000500"/>
+          </a:xfrm>
+          <a:prstGeom prst="rect">
+            <a:avLst/>
+          </a:prstGeom>
+        </p:spPr>
+      </p:pic>
+      <p:sp>
+        <p:nvSpPr>
+          <p:cNvPr id="9" name="TextBox 8">
+            <a:extLst>
+              <a:ext uri="{FF2B5EF4-FFF2-40B4-BE49-F238E27FC236}">
+                <a16:creationId xmlns:a16="http://schemas.microsoft.com/office/drawing/2014/main" id="{A79F2FD4-7A45-479E-ABFA-A604590BFD70}"/>
+              </a:ext>
+            </a:extLst>
+          </p:cNvPr>
+          <p:cNvSpPr txBox="1"/>
+          <p:nvPr/>
+        </p:nvSpPr>
+        <p:spPr>
+          <a:xfrm>
+            <a:off x="6955277" y="4601183"/>
+            <a:ext cx="4591455" cy="923330"/>
+          </a:xfrm>
+          <a:prstGeom prst="rect">
+            <a:avLst/>
+          </a:prstGeom>
+          <a:noFill/>
+        </p:spPr>
+        <p:txBody>
+          <a:bodyPr wrap="square" rtlCol="0">
+            <a:spAutoFit/>
+          </a:bodyPr>
+          <a:lstStyle/>
+          <a:p>
+            <a:r>
+              <a:rPr lang="en-ZA" dirty="0"/>
+              <a:t>My GA for N=6;</a:t>
+            </a:r>
+          </a:p>
+          <a:p>
+            <a:r>
+              <a:rPr lang="en-ZA" dirty="0"/>
+              <a:t>Spacing = [</a:t>
+            </a:r>
+            <a:r>
+              <a:rPr lang="en-ZA" sz="1800" b="0" i="0" u="none" strike="noStrike" dirty="0">
+                <a:solidFill>
+                  <a:srgbClr val="000000"/>
+                </a:solidFill>
+                <a:effectLst/>
+                <a:latin typeface="Calibri" panose="020F0502020204030204" pitchFamily="34" charset="0"/>
+              </a:rPr>
+              <a:t>1.007,</a:t>
+            </a:r>
+            <a:r>
+              <a:rPr lang="en-ZA" dirty="0"/>
+              <a:t> </a:t>
+            </a:r>
+            <a:r>
+              <a:rPr lang="en-ZA" sz="1800" b="0" i="0" u="none" strike="noStrike" dirty="0">
+                <a:solidFill>
+                  <a:srgbClr val="000000"/>
+                </a:solidFill>
+                <a:effectLst/>
+                <a:latin typeface="Calibri" panose="020F0502020204030204" pitchFamily="34" charset="0"/>
+              </a:rPr>
+              <a:t>0.76,</a:t>
+            </a:r>
+            <a:r>
+              <a:rPr lang="en-ZA" dirty="0"/>
+              <a:t> </a:t>
+            </a:r>
+            <a:r>
+              <a:rPr lang="en-ZA" sz="1800" b="0" i="0" u="none" strike="noStrike" dirty="0">
+                <a:solidFill>
+                  <a:srgbClr val="000000"/>
+                </a:solidFill>
+                <a:effectLst/>
+                <a:latin typeface="Calibri" panose="020F0502020204030204" pitchFamily="34" charset="0"/>
+              </a:rPr>
+              <a:t>0.892,</a:t>
+            </a:r>
+            <a:r>
+              <a:rPr lang="en-ZA" dirty="0"/>
+              <a:t> </a:t>
+            </a:r>
+            <a:r>
+              <a:rPr lang="en-ZA" sz="1800" b="0" i="0" u="none" strike="noStrike" dirty="0">
+                <a:solidFill>
+                  <a:srgbClr val="000000"/>
+                </a:solidFill>
+                <a:effectLst/>
+                <a:latin typeface="Calibri" panose="020F0502020204030204" pitchFamily="34" charset="0"/>
+              </a:rPr>
+              <a:t>0.887,</a:t>
+            </a:r>
+            <a:r>
+              <a:rPr lang="en-ZA" dirty="0"/>
+              <a:t> </a:t>
+            </a:r>
+            <a:r>
+              <a:rPr lang="en-ZA" sz="1800" b="0" i="0" u="none" strike="noStrike" dirty="0">
+                <a:solidFill>
+                  <a:srgbClr val="000000"/>
+                </a:solidFill>
+                <a:effectLst/>
+                <a:latin typeface="Calibri" panose="020F0502020204030204" pitchFamily="34" charset="0"/>
+              </a:rPr>
+              <a:t>0,994</a:t>
+            </a:r>
+            <a:r>
+              <a:rPr lang="en-ZA" dirty="0"/>
+              <a:t> ]</a:t>
+            </a:r>
+          </a:p>
+          <a:p>
+            <a:r>
+              <a:rPr lang="en-ZA"/>
+              <a:t>5 min</a:t>
+            </a:r>
+            <a:endParaRPr lang="en-ZA" dirty="0"/>
+          </a:p>
+        </p:txBody>
+      </p:sp>
+    </p:spTree>
+    <p:extLst>
+      <p:ext uri="{BB962C8B-B14F-4D97-AF65-F5344CB8AC3E}">
+        <p14:creationId xmlns:p14="http://schemas.microsoft.com/office/powerpoint/2010/main" val="284082399"/>
+      </p:ext>
+    </p:extLst>
+  </p:cSld>
+  <p:clrMapOvr>
+    <a:masterClrMapping/>
+  </p:clrMapOvr>
+</p:sld>
+</file>
+
+<file path=ppt/slides/slide5.xml><?xml version="1.0" encoding="utf-8"?>
+<p:sld xmlns:a="http://schemas.openxmlformats.org/drawingml/2006/main" xmlns:r="http://schemas.openxmlformats.org/officeDocument/2006/relationships" xmlns:p="http://schemas.openxmlformats.org/presentationml/2006/main">
+  <p:cSld>
+    <p:spTree>
+      <p:nvGrpSpPr>
+        <p:cNvPr id="1" name=""/>
+        <p:cNvGrpSpPr/>
+        <p:nvPr/>
+      </p:nvGrpSpPr>
+      <p:grpSpPr>
+        <a:xfrm>
+          <a:off x="0" y="0"/>
+          <a:ext cx="0" cy="0"/>
+          <a:chOff x="0" y="0"/>
+          <a:chExt cx="0" cy="0"/>
+        </a:xfrm>
+      </p:grpSpPr>
+      <p:pic>
+        <p:nvPicPr>
+          <p:cNvPr id="5" name="Picture 4" descr="Graphical user interface, chart, line chart&#10;&#10;Description automatically generated">
+            <a:extLst>
+              <a:ext uri="{FF2B5EF4-FFF2-40B4-BE49-F238E27FC236}">
+                <a16:creationId xmlns:a16="http://schemas.microsoft.com/office/drawing/2014/main" id="{99F95E9C-46FC-4842-A1D7-203649F46C8A}"/>
+              </a:ext>
+            </a:extLst>
+          </p:cNvPr>
+          <p:cNvPicPr>
+            <a:picLocks noChangeAspect="1"/>
+          </p:cNvPicPr>
+          <p:nvPr/>
+        </p:nvPicPr>
+        <p:blipFill>
+          <a:blip r:embed="rId2"/>
+          <a:stretch>
+            <a:fillRect/>
+          </a:stretch>
+        </p:blipFill>
+        <p:spPr>
+          <a:xfrm>
+            <a:off x="0" y="31289"/>
+            <a:ext cx="5096279" cy="2840499"/>
+          </a:xfrm>
+          <a:prstGeom prst="rect">
+            <a:avLst/>
+          </a:prstGeom>
+        </p:spPr>
+      </p:pic>
+    </p:spTree>
+    <p:extLst>
+      <p:ext uri="{BB962C8B-B14F-4D97-AF65-F5344CB8AC3E}">
+        <p14:creationId xmlns:p14="http://schemas.microsoft.com/office/powerpoint/2010/main" val="226314435"/>
       </p:ext>
     </p:extLst>
   </p:cSld>

--- a/matlab/fourier/Presentation1.pptx
+++ b/matlab/fourier/Presentation1.pptx
@@ -4298,7 +4298,7 @@
         </p:blipFill>
         <p:spPr>
           <a:xfrm>
-            <a:off x="275112" y="183205"/>
+            <a:off x="275112" y="1733959"/>
             <a:ext cx="3648182" cy="2735094"/>
           </a:xfrm>
           <a:prstGeom prst="rect">
@@ -4308,10 +4308,10 @@
       </p:pic>
       <p:pic>
         <p:nvPicPr>
-          <p:cNvPr id="9" name="Picture 8" descr="Chart, histogram&#10;&#10;Description automatically generated">
-            <a:extLst>
-              <a:ext uri="{FF2B5EF4-FFF2-40B4-BE49-F238E27FC236}">
-                <a16:creationId xmlns:a16="http://schemas.microsoft.com/office/drawing/2014/main" id="{DDC70BC1-4571-44D9-89B5-8B646A9AFCC5}"/>
+          <p:cNvPr id="11" name="Picture 10" descr="Chart, histogram&#10;&#10;Description automatically generated">
+            <a:extLst>
+              <a:ext uri="{FF2B5EF4-FFF2-40B4-BE49-F238E27FC236}">
+                <a16:creationId xmlns:a16="http://schemas.microsoft.com/office/drawing/2014/main" id="{F2E618C3-B9FA-4517-8B47-1966EB3932AC}"/>
               </a:ext>
             </a:extLst>
           </p:cNvPr>
@@ -4334,43 +4334,7 @@
         </p:blipFill>
         <p:spPr>
           <a:xfrm>
-            <a:off x="7948081" y="0"/>
-            <a:ext cx="4136918" cy="3101506"/>
-          </a:xfrm>
-          <a:prstGeom prst="rect">
-            <a:avLst/>
-          </a:prstGeom>
-        </p:spPr>
-      </p:pic>
-      <p:pic>
-        <p:nvPicPr>
-          <p:cNvPr id="11" name="Picture 10" descr="Chart, histogram&#10;&#10;Description automatically generated">
-            <a:extLst>
-              <a:ext uri="{FF2B5EF4-FFF2-40B4-BE49-F238E27FC236}">
-                <a16:creationId xmlns:a16="http://schemas.microsoft.com/office/drawing/2014/main" id="{F2E618C3-B9FA-4517-8B47-1966EB3932AC}"/>
-              </a:ext>
-            </a:extLst>
-          </p:cNvPr>
-          <p:cNvPicPr>
-            <a:picLocks noChangeAspect="1"/>
-          </p:cNvPicPr>
-          <p:nvPr/>
-        </p:nvPicPr>
-        <p:blipFill>
-          <a:blip r:embed="rId4">
-            <a:extLst>
-              <a:ext uri="{28A0092B-C50C-407E-A947-70E740481C1C}">
-                <a14:useLocalDpi xmlns:a14="http://schemas.microsoft.com/office/drawing/2010/main" val="0"/>
-              </a:ext>
-            </a:extLst>
-          </a:blip>
-          <a:stretch>
-            <a:fillRect/>
-          </a:stretch>
-        </p:blipFill>
-        <p:spPr>
-          <a:xfrm>
-            <a:off x="3923294" y="183206"/>
+            <a:off x="3989412" y="1642356"/>
             <a:ext cx="3892550" cy="2918300"/>
           </a:xfrm>
           <a:prstGeom prst="rect">
@@ -4378,6 +4342,135 @@
           </a:prstGeom>
         </p:spPr>
       </p:pic>
+      <p:sp>
+        <p:nvSpPr>
+          <p:cNvPr id="2" name="TextBox 1">
+            <a:extLst>
+              <a:ext uri="{FF2B5EF4-FFF2-40B4-BE49-F238E27FC236}">
+                <a16:creationId xmlns:a16="http://schemas.microsoft.com/office/drawing/2014/main" id="{C8CF3B9B-31F6-4A45-9D85-3AFF39B1B39A}"/>
+              </a:ext>
+            </a:extLst>
+          </p:cNvPr>
+          <p:cNvSpPr txBox="1"/>
+          <p:nvPr/>
+        </p:nvSpPr>
+        <p:spPr>
+          <a:xfrm>
+            <a:off x="729842" y="904422"/>
+            <a:ext cx="3120705" cy="646331"/>
+          </a:xfrm>
+          <a:prstGeom prst="rect">
+            <a:avLst/>
+          </a:prstGeom>
+          <a:noFill/>
+        </p:spPr>
+        <p:txBody>
+          <a:bodyPr wrap="square" rtlCol="0">
+            <a:spAutoFit/>
+          </a:bodyPr>
+          <a:lstStyle/>
+          <a:p>
+            <a:r>
+              <a:rPr lang="en-ZA" dirty="0"/>
+              <a:t>6 Uniformly spaced Antennas with uniform amplitudes. </a:t>
+            </a:r>
+          </a:p>
+        </p:txBody>
+      </p:sp>
+      <p:sp>
+        <p:nvSpPr>
+          <p:cNvPr id="3" name="TextBox 2">
+            <a:extLst>
+              <a:ext uri="{FF2B5EF4-FFF2-40B4-BE49-F238E27FC236}">
+                <a16:creationId xmlns:a16="http://schemas.microsoft.com/office/drawing/2014/main" id="{CC4B210A-1729-44B8-B2F2-4E8ECFD763C6}"/>
+              </a:ext>
+            </a:extLst>
+          </p:cNvPr>
+          <p:cNvSpPr txBox="1"/>
+          <p:nvPr/>
+        </p:nvSpPr>
+        <p:spPr>
+          <a:xfrm>
+            <a:off x="4756558" y="1042921"/>
+            <a:ext cx="3036815" cy="369332"/>
+          </a:xfrm>
+          <a:prstGeom prst="rect">
+            <a:avLst/>
+          </a:prstGeom>
+          <a:noFill/>
+        </p:spPr>
+        <p:txBody>
+          <a:bodyPr wrap="square" rtlCol="0">
+            <a:spAutoFit/>
+          </a:bodyPr>
+          <a:lstStyle/>
+          <a:p>
+            <a:r>
+              <a:rPr lang="en-ZA" dirty="0"/>
+              <a:t>Inverse Fourier Transform. </a:t>
+            </a:r>
+          </a:p>
+        </p:txBody>
+      </p:sp>
+      <p:sp>
+        <p:nvSpPr>
+          <p:cNvPr id="4" name="TextBox 3">
+            <a:extLst>
+              <a:ext uri="{FF2B5EF4-FFF2-40B4-BE49-F238E27FC236}">
+                <a16:creationId xmlns:a16="http://schemas.microsoft.com/office/drawing/2014/main" id="{A99F05C8-7A68-4D74-9F9C-7F03FA49487B}"/>
+              </a:ext>
+            </a:extLst>
+          </p:cNvPr>
+          <p:cNvSpPr txBox="1"/>
+          <p:nvPr/>
+        </p:nvSpPr>
+        <p:spPr>
+          <a:xfrm>
+            <a:off x="461395" y="4652259"/>
+            <a:ext cx="3120705" cy="1754326"/>
+          </a:xfrm>
+          <a:prstGeom prst="rect">
+            <a:avLst/>
+          </a:prstGeom>
+          <a:noFill/>
+        </p:spPr>
+        <p:txBody>
+          <a:bodyPr wrap="square" rtlCol="0">
+            <a:spAutoFit/>
+          </a:bodyPr>
+          <a:lstStyle/>
+          <a:p>
+            <a:r>
+              <a:rPr lang="en-ZA" dirty="0"/>
+              <a:t>Can be viewed as a sampled </a:t>
+            </a:r>
+            <a:r>
+              <a:rPr lang="en-ZA" b="1" dirty="0"/>
+              <a:t>rectangular </a:t>
+            </a:r>
+            <a:r>
+              <a:rPr lang="en-ZA" dirty="0"/>
+              <a:t>(window) function in the frequency domain. This is then a </a:t>
+            </a:r>
+            <a:r>
+              <a:rPr lang="en-ZA" dirty="0" err="1"/>
+              <a:t>sinc</a:t>
+            </a:r>
+            <a:r>
+              <a:rPr lang="en-ZA" dirty="0"/>
+              <a:t> function convoluted with a </a:t>
+            </a:r>
+            <a:r>
+              <a:rPr lang="en-ZA" dirty="0" err="1"/>
+              <a:t>dirac</a:t>
+            </a:r>
+            <a:r>
+              <a:rPr lang="en-ZA" dirty="0"/>
+              <a:t> comb in the time domain.</a:t>
+            </a:r>
+          </a:p>
+        </p:txBody>
+      </p:sp>
     </p:spTree>
     <p:extLst>
       <p:ext uri="{BB962C8B-B14F-4D97-AF65-F5344CB8AC3E}">
@@ -4484,7 +4577,10 @@
             </a:r>
           </a:p>
           <a:p>
-            <a:endParaRPr lang="en-ZA" dirty="0"/>
+            <a:r>
+              <a:rPr lang="en-ZA" dirty="0"/>
+              <a:t>Amplitude = [1 1 1 1 1 1 1]</a:t>
+            </a:r>
           </a:p>
           <a:p>
             <a:r>
@@ -4584,7 +4680,7 @@
         <p:spPr>
           <a:xfrm>
             <a:off x="6955277" y="4601183"/>
-            <a:ext cx="4591455" cy="923330"/>
+            <a:ext cx="4591455" cy="1200329"/>
           </a:xfrm>
           <a:prstGeom prst="rect">
             <a:avLst/>
@@ -4680,8 +4776,18 @@
           </a:p>
           <a:p>
             <a:r>
+              <a:rPr lang="en-ZA" dirty="0"/>
+              <a:t>Amplitude = [1 1 1 1 1 1]</a:t>
+            </a:r>
+          </a:p>
+          <a:p>
+            <a:r>
+              <a:rPr lang="en-ZA" dirty="0"/>
+              <a:t>5 </a:t>
+            </a:r>
+            <a:r>
               <a:rPr lang="en-ZA"/>
-              <a:t>5 min</a:t>
+              <a:t>min simulation</a:t>
             </a:r>
             <a:endParaRPr lang="en-ZA" dirty="0"/>
           </a:p>
@@ -4740,7 +4846,7 @@
         <p:spPr>
           <a:xfrm>
             <a:off x="0" y="31289"/>
-            <a:ext cx="5096279" cy="2840499"/>
+            <a:ext cx="12192000" cy="6795421"/>
           </a:xfrm>
           <a:prstGeom prst="rect">
             <a:avLst/>
